--- a/images/tmp.pptx
+++ b/images/tmp.pptx
@@ -2,18 +2,18 @@
 <file path=ppt/presentation.xml><?xml version="1.0" encoding="utf-8"?>
 <p:presentation xmlns:a="http://schemas.openxmlformats.org/drawingml/2006/main" xmlns:r="http://schemas.openxmlformats.org/officeDocument/2006/relationships" xmlns:p="http://schemas.openxmlformats.org/presentationml/2006/main" saveSubsetFonts="1">
   <p:sldMasterIdLst>
-    <p:sldMasterId id="2147483648" r:id="rId1"/>
+    <p:sldMasterId id="2147483660" r:id="rId1"/>
   </p:sldMasterIdLst>
   <p:sldIdLst>
     <p:sldId id="256" r:id="rId2"/>
   </p:sldIdLst>
-  <p:sldSz cx="12192000" cy="6858000"/>
+  <p:sldSz cx="12192000" cy="18288000"/>
   <p:notesSz cx="6858000" cy="9144000"/>
   <p:defaultTextStyle>
     <a:defPPr>
       <a:defRPr lang="en-US"/>
     </a:defPPr>
-    <a:lvl1pPr marL="0" algn="l" defTabSz="914400" rtl="0" eaLnBrk="1" latinLnBrk="0" hangingPunct="1">
+    <a:lvl1pPr marL="0" algn="l" defTabSz="457200" rtl="0" eaLnBrk="1" latinLnBrk="0" hangingPunct="1">
       <a:defRPr sz="1800" kern="1200">
         <a:solidFill>
           <a:schemeClr val="tx1"/>
@@ -23,7 +23,7 @@
         <a:cs typeface="+mn-cs"/>
       </a:defRPr>
     </a:lvl1pPr>
-    <a:lvl2pPr marL="457200" algn="l" defTabSz="914400" rtl="0" eaLnBrk="1" latinLnBrk="0" hangingPunct="1">
+    <a:lvl2pPr marL="457200" algn="l" defTabSz="457200" rtl="0" eaLnBrk="1" latinLnBrk="0" hangingPunct="1">
       <a:defRPr sz="1800" kern="1200">
         <a:solidFill>
           <a:schemeClr val="tx1"/>
@@ -33,7 +33,7 @@
         <a:cs typeface="+mn-cs"/>
       </a:defRPr>
     </a:lvl2pPr>
-    <a:lvl3pPr marL="914400" algn="l" defTabSz="914400" rtl="0" eaLnBrk="1" latinLnBrk="0" hangingPunct="1">
+    <a:lvl3pPr marL="914400" algn="l" defTabSz="457200" rtl="0" eaLnBrk="1" latinLnBrk="0" hangingPunct="1">
       <a:defRPr sz="1800" kern="1200">
         <a:solidFill>
           <a:schemeClr val="tx1"/>
@@ -43,7 +43,7 @@
         <a:cs typeface="+mn-cs"/>
       </a:defRPr>
     </a:lvl3pPr>
-    <a:lvl4pPr marL="1371600" algn="l" defTabSz="914400" rtl="0" eaLnBrk="1" latinLnBrk="0" hangingPunct="1">
+    <a:lvl4pPr marL="1371600" algn="l" defTabSz="457200" rtl="0" eaLnBrk="1" latinLnBrk="0" hangingPunct="1">
       <a:defRPr sz="1800" kern="1200">
         <a:solidFill>
           <a:schemeClr val="tx1"/>
@@ -53,7 +53,7 @@
         <a:cs typeface="+mn-cs"/>
       </a:defRPr>
     </a:lvl4pPr>
-    <a:lvl5pPr marL="1828800" algn="l" defTabSz="914400" rtl="0" eaLnBrk="1" latinLnBrk="0" hangingPunct="1">
+    <a:lvl5pPr marL="1828800" algn="l" defTabSz="457200" rtl="0" eaLnBrk="1" latinLnBrk="0" hangingPunct="1">
       <a:defRPr sz="1800" kern="1200">
         <a:solidFill>
           <a:schemeClr val="tx1"/>
@@ -63,7 +63,7 @@
         <a:cs typeface="+mn-cs"/>
       </a:defRPr>
     </a:lvl5pPr>
-    <a:lvl6pPr marL="2286000" algn="l" defTabSz="914400" rtl="0" eaLnBrk="1" latinLnBrk="0" hangingPunct="1">
+    <a:lvl6pPr marL="2286000" algn="l" defTabSz="457200" rtl="0" eaLnBrk="1" latinLnBrk="0" hangingPunct="1">
       <a:defRPr sz="1800" kern="1200">
         <a:solidFill>
           <a:schemeClr val="tx1"/>
@@ -73,7 +73,7 @@
         <a:cs typeface="+mn-cs"/>
       </a:defRPr>
     </a:lvl6pPr>
-    <a:lvl7pPr marL="2743200" algn="l" defTabSz="914400" rtl="0" eaLnBrk="1" latinLnBrk="0" hangingPunct="1">
+    <a:lvl7pPr marL="2743200" algn="l" defTabSz="457200" rtl="0" eaLnBrk="1" latinLnBrk="0" hangingPunct="1">
       <a:defRPr sz="1800" kern="1200">
         <a:solidFill>
           <a:schemeClr val="tx1"/>
@@ -83,7 +83,7 @@
         <a:cs typeface="+mn-cs"/>
       </a:defRPr>
     </a:lvl7pPr>
-    <a:lvl8pPr marL="3200400" algn="l" defTabSz="914400" rtl="0" eaLnBrk="1" latinLnBrk="0" hangingPunct="1">
+    <a:lvl8pPr marL="3200400" algn="l" defTabSz="457200" rtl="0" eaLnBrk="1" latinLnBrk="0" hangingPunct="1">
       <a:defRPr sz="1800" kern="1200">
         <a:solidFill>
           <a:schemeClr val="tx1"/>
@@ -93,7 +93,7 @@
         <a:cs typeface="+mn-cs"/>
       </a:defRPr>
     </a:lvl8pPr>
-    <a:lvl9pPr marL="3657600" algn="l" defTabSz="914400" rtl="0" eaLnBrk="1" latinLnBrk="0" hangingPunct="1">
+    <a:lvl9pPr marL="3657600" algn="l" defTabSz="457200" rtl="0" eaLnBrk="1" latinLnBrk="0" hangingPunct="1">
       <a:defRPr sz="1800" kern="1200">
         <a:solidFill>
           <a:schemeClr val="tx1"/>
@@ -104,6 +104,11 @@
       </a:defRPr>
     </a:lvl9pPr>
   </p:defaultTextStyle>
+  <p:extLst>
+    <p:ext uri="{EFAFB233-063F-42B5-8137-9DF3F51BA10A}">
+      <p15:sldGuideLst xmlns:p15="http://schemas.microsoft.com/office/powerpoint/2012/main"/>
+    </p:ext>
+  </p:extLst>
 </p:presentation>
 </file>
 
@@ -136,15 +141,15 @@
         </p:nvSpPr>
         <p:spPr>
           <a:xfrm>
-            <a:off x="1524000" y="1122363"/>
-            <a:ext cx="9144000" cy="2387600"/>
+            <a:off x="914400" y="2992968"/>
+            <a:ext cx="10363200" cy="6366933"/>
           </a:xfrm>
         </p:spPr>
         <p:txBody>
           <a:bodyPr anchor="b"/>
           <a:lstStyle>
             <a:lvl1pPr algn="ctr">
-              <a:defRPr sz="6000"/>
+              <a:defRPr sz="8000"/>
             </a:lvl1pPr>
           </a:lstStyle>
           <a:p>
@@ -152,7 +157,7 @@
               <a:rPr lang="en-US" smtClean="0"/>
               <a:t>Click to edit Master title style</a:t>
             </a:r>
-            <a:endParaRPr lang="en-US"/>
+            <a:endParaRPr lang="en-US" dirty="0"/>
           </a:p>
         </p:txBody>
       </p:sp>
@@ -168,8 +173,8 @@
         </p:nvSpPr>
         <p:spPr>
           <a:xfrm>
-            <a:off x="1524000" y="3602038"/>
-            <a:ext cx="9144000" cy="1655762"/>
+            <a:off x="1524000" y="9605435"/>
+            <a:ext cx="9144000" cy="4415365"/>
           </a:xfrm>
         </p:spPr>
         <p:txBody>
@@ -177,39 +182,39 @@
           <a:lstStyle>
             <a:lvl1pPr marL="0" indent="0" algn="ctr">
               <a:buNone/>
+              <a:defRPr sz="3200"/>
+            </a:lvl1pPr>
+            <a:lvl2pPr marL="609585" indent="0" algn="ctr">
+              <a:buNone/>
+              <a:defRPr sz="2667"/>
+            </a:lvl2pPr>
+            <a:lvl3pPr marL="1219170" indent="0" algn="ctr">
+              <a:buNone/>
               <a:defRPr sz="2400"/>
-            </a:lvl1pPr>
-            <a:lvl2pPr marL="457200" indent="0" algn="ctr">
-              <a:buNone/>
-              <a:defRPr sz="2000"/>
-            </a:lvl2pPr>
-            <a:lvl3pPr marL="914400" indent="0" algn="ctr">
-              <a:buNone/>
-              <a:defRPr sz="1800"/>
             </a:lvl3pPr>
-            <a:lvl4pPr marL="1371600" indent="0" algn="ctr">
-              <a:buNone/>
-              <a:defRPr sz="1600"/>
+            <a:lvl4pPr marL="1828754" indent="0" algn="ctr">
+              <a:buNone/>
+              <a:defRPr sz="2133"/>
             </a:lvl4pPr>
-            <a:lvl5pPr marL="1828800" indent="0" algn="ctr">
-              <a:buNone/>
-              <a:defRPr sz="1600"/>
+            <a:lvl5pPr marL="2438339" indent="0" algn="ctr">
+              <a:buNone/>
+              <a:defRPr sz="2133"/>
             </a:lvl5pPr>
-            <a:lvl6pPr marL="2286000" indent="0" algn="ctr">
-              <a:buNone/>
-              <a:defRPr sz="1600"/>
+            <a:lvl6pPr marL="3047924" indent="0" algn="ctr">
+              <a:buNone/>
+              <a:defRPr sz="2133"/>
             </a:lvl6pPr>
-            <a:lvl7pPr marL="2743200" indent="0" algn="ctr">
-              <a:buNone/>
-              <a:defRPr sz="1600"/>
+            <a:lvl7pPr marL="3657509" indent="0" algn="ctr">
+              <a:buNone/>
+              <a:defRPr sz="2133"/>
             </a:lvl7pPr>
-            <a:lvl8pPr marL="3200400" indent="0" algn="ctr">
-              <a:buNone/>
-              <a:defRPr sz="1600"/>
+            <a:lvl8pPr marL="4267093" indent="0" algn="ctr">
+              <a:buNone/>
+              <a:defRPr sz="2133"/>
             </a:lvl8pPr>
-            <a:lvl9pPr marL="3657600" indent="0" algn="ctr">
-              <a:buNone/>
-              <a:defRPr sz="1600"/>
+            <a:lvl9pPr marL="4876678" indent="0" algn="ctr">
+              <a:buNone/>
+              <a:defRPr sz="2133"/>
             </a:lvl9pPr>
           </a:lstStyle>
           <a:p>
@@ -217,7 +222,7 @@
               <a:rPr lang="en-US" smtClean="0"/>
               <a:t>Click to edit Master subtitle style</a:t>
             </a:r>
-            <a:endParaRPr lang="en-US"/>
+            <a:endParaRPr lang="en-US" dirty="0"/>
           </a:p>
         </p:txBody>
       </p:sp>
@@ -238,7 +243,7 @@
           <a:p>
             <a:fld id="{FA8EBA90-CD99-4A16-B044-545A23C4C08C}" type="datetimeFigureOut">
               <a:rPr lang="en-US" smtClean="0"/>
-              <a:t>8/16/2020</a:t>
+              <a:t>8/17/2020</a:t>
             </a:fld>
             <a:endParaRPr lang="en-US"/>
           </a:p>
@@ -289,7 +294,7 @@
     </p:spTree>
     <p:extLst>
       <p:ext uri="{BB962C8B-B14F-4D97-AF65-F5344CB8AC3E}">
-        <p14:creationId xmlns:p14="http://schemas.microsoft.com/office/powerpoint/2010/main" val="3139443804"/>
+        <p14:creationId xmlns:p14="http://schemas.microsoft.com/office/powerpoint/2010/main" val="3225306001"/>
       </p:ext>
     </p:extLst>
   </p:cSld>
@@ -335,7 +340,7 @@
               <a:rPr lang="en-US" smtClean="0"/>
               <a:t>Click to edit Master title style</a:t>
             </a:r>
-            <a:endParaRPr lang="en-US"/>
+            <a:endParaRPr lang="en-US" dirty="0"/>
           </a:p>
         </p:txBody>
       </p:sp>
@@ -387,7 +392,7 @@
               <a:rPr lang="en-US" smtClean="0"/>
               <a:t>Fifth level</a:t>
             </a:r>
-            <a:endParaRPr lang="en-US"/>
+            <a:endParaRPr lang="en-US" dirty="0"/>
           </a:p>
         </p:txBody>
       </p:sp>
@@ -408,7 +413,7 @@
           <a:p>
             <a:fld id="{FA8EBA90-CD99-4A16-B044-545A23C4C08C}" type="datetimeFigureOut">
               <a:rPr lang="en-US" smtClean="0"/>
-              <a:t>8/16/2020</a:t>
+              <a:t>8/17/2020</a:t>
             </a:fld>
             <a:endParaRPr lang="en-US"/>
           </a:p>
@@ -459,7 +464,7 @@
     </p:spTree>
     <p:extLst>
       <p:ext uri="{BB962C8B-B14F-4D97-AF65-F5344CB8AC3E}">
-        <p14:creationId xmlns:p14="http://schemas.microsoft.com/office/powerpoint/2010/main" val="3424788179"/>
+        <p14:creationId xmlns:p14="http://schemas.microsoft.com/office/powerpoint/2010/main" val="3582583873"/>
       </p:ext>
     </p:extLst>
   </p:cSld>
@@ -498,8 +503,8 @@
         </p:nvSpPr>
         <p:spPr>
           <a:xfrm>
-            <a:off x="8724900" y="365125"/>
-            <a:ext cx="2628900" cy="5811838"/>
+            <a:off x="8724901" y="973667"/>
+            <a:ext cx="2628900" cy="15498235"/>
           </a:xfrm>
         </p:spPr>
         <p:txBody>
@@ -510,7 +515,7 @@
               <a:rPr lang="en-US" smtClean="0"/>
               <a:t>Click to edit Master title style</a:t>
             </a:r>
-            <a:endParaRPr lang="en-US"/>
+            <a:endParaRPr lang="en-US" dirty="0"/>
           </a:p>
         </p:txBody>
       </p:sp>
@@ -526,8 +531,8 @@
         </p:nvSpPr>
         <p:spPr>
           <a:xfrm>
-            <a:off x="838200" y="365125"/>
-            <a:ext cx="7734300" cy="5811838"/>
+            <a:off x="838201" y="973667"/>
+            <a:ext cx="7734300" cy="15498235"/>
           </a:xfrm>
         </p:spPr>
         <p:txBody>
@@ -567,7 +572,7 @@
               <a:rPr lang="en-US" smtClean="0"/>
               <a:t>Fifth level</a:t>
             </a:r>
-            <a:endParaRPr lang="en-US"/>
+            <a:endParaRPr lang="en-US" dirty="0"/>
           </a:p>
         </p:txBody>
       </p:sp>
@@ -588,7 +593,7 @@
           <a:p>
             <a:fld id="{FA8EBA90-CD99-4A16-B044-545A23C4C08C}" type="datetimeFigureOut">
               <a:rPr lang="en-US" smtClean="0"/>
-              <a:t>8/16/2020</a:t>
+              <a:t>8/17/2020</a:t>
             </a:fld>
             <a:endParaRPr lang="en-US"/>
           </a:p>
@@ -639,7 +644,7 @@
     </p:spTree>
     <p:extLst>
       <p:ext uri="{BB962C8B-B14F-4D97-AF65-F5344CB8AC3E}">
-        <p14:creationId xmlns:p14="http://schemas.microsoft.com/office/powerpoint/2010/main" val="2630110685"/>
+        <p14:creationId xmlns:p14="http://schemas.microsoft.com/office/powerpoint/2010/main" val="706597004"/>
       </p:ext>
     </p:extLst>
   </p:cSld>
@@ -685,7 +690,7 @@
               <a:rPr lang="en-US" smtClean="0"/>
               <a:t>Click to edit Master title style</a:t>
             </a:r>
-            <a:endParaRPr lang="en-US"/>
+            <a:endParaRPr lang="en-US" dirty="0"/>
           </a:p>
         </p:txBody>
       </p:sp>
@@ -737,7 +742,7 @@
               <a:rPr lang="en-US" smtClean="0"/>
               <a:t>Fifth level</a:t>
             </a:r>
-            <a:endParaRPr lang="en-US"/>
+            <a:endParaRPr lang="en-US" dirty="0"/>
           </a:p>
         </p:txBody>
       </p:sp>
@@ -758,7 +763,7 @@
           <a:p>
             <a:fld id="{FA8EBA90-CD99-4A16-B044-545A23C4C08C}" type="datetimeFigureOut">
               <a:rPr lang="en-US" smtClean="0"/>
-              <a:t>8/16/2020</a:t>
+              <a:t>8/17/2020</a:t>
             </a:fld>
             <a:endParaRPr lang="en-US"/>
           </a:p>
@@ -809,7 +814,7 @@
     </p:spTree>
     <p:extLst>
       <p:ext uri="{BB962C8B-B14F-4D97-AF65-F5344CB8AC3E}">
-        <p14:creationId xmlns:p14="http://schemas.microsoft.com/office/powerpoint/2010/main" val="2813770773"/>
+        <p14:creationId xmlns:p14="http://schemas.microsoft.com/office/powerpoint/2010/main" val="4230686448"/>
       </p:ext>
     </p:extLst>
   </p:cSld>
@@ -848,15 +853,15 @@
         </p:nvSpPr>
         <p:spPr>
           <a:xfrm>
-            <a:off x="831850" y="1709738"/>
-            <a:ext cx="10515600" cy="2852737"/>
+            <a:off x="831851" y="4559305"/>
+            <a:ext cx="10515600" cy="7607299"/>
           </a:xfrm>
         </p:spPr>
         <p:txBody>
           <a:bodyPr anchor="b"/>
           <a:lstStyle>
             <a:lvl1pPr>
-              <a:defRPr sz="6000"/>
+              <a:defRPr sz="8000"/>
             </a:lvl1pPr>
           </a:lstStyle>
           <a:p>
@@ -864,7 +869,7 @@
               <a:rPr lang="en-US" smtClean="0"/>
               <a:t>Click to edit Master title style</a:t>
             </a:r>
-            <a:endParaRPr lang="en-US"/>
+            <a:endParaRPr lang="en-US" dirty="0"/>
           </a:p>
         </p:txBody>
       </p:sp>
@@ -880,14 +885,32 @@
         </p:nvSpPr>
         <p:spPr>
           <a:xfrm>
-            <a:off x="831850" y="4589463"/>
-            <a:ext cx="10515600" cy="1500187"/>
+            <a:off x="831851" y="12238572"/>
+            <a:ext cx="10515600" cy="4000499"/>
           </a:xfrm>
         </p:spPr>
         <p:txBody>
           <a:bodyPr/>
           <a:lstStyle>
             <a:lvl1pPr marL="0" indent="0">
+              <a:buNone/>
+              <a:defRPr sz="3200">
+                <a:solidFill>
+                  <a:schemeClr val="tx1"/>
+                </a:solidFill>
+              </a:defRPr>
+            </a:lvl1pPr>
+            <a:lvl2pPr marL="609585" indent="0">
+              <a:buNone/>
+              <a:defRPr sz="2667">
+                <a:solidFill>
+                  <a:schemeClr val="tx1">
+                    <a:tint val="75000"/>
+                  </a:schemeClr>
+                </a:solidFill>
+              </a:defRPr>
+            </a:lvl2pPr>
+            <a:lvl3pPr marL="1219170" indent="0">
               <a:buNone/>
               <a:defRPr sz="2400">
                 <a:solidFill>
@@ -896,30 +919,10 @@
                   </a:schemeClr>
                 </a:solidFill>
               </a:defRPr>
-            </a:lvl1pPr>
-            <a:lvl2pPr marL="457200" indent="0">
-              <a:buNone/>
-              <a:defRPr sz="2000">
-                <a:solidFill>
-                  <a:schemeClr val="tx1">
-                    <a:tint val="75000"/>
-                  </a:schemeClr>
-                </a:solidFill>
-              </a:defRPr>
-            </a:lvl2pPr>
-            <a:lvl3pPr marL="914400" indent="0">
-              <a:buNone/>
-              <a:defRPr sz="1800">
-                <a:solidFill>
-                  <a:schemeClr val="tx1">
-                    <a:tint val="75000"/>
-                  </a:schemeClr>
-                </a:solidFill>
-              </a:defRPr>
             </a:lvl3pPr>
-            <a:lvl4pPr marL="1371600" indent="0">
-              <a:buNone/>
-              <a:defRPr sz="1600">
+            <a:lvl4pPr marL="1828754" indent="0">
+              <a:buNone/>
+              <a:defRPr sz="2133">
                 <a:solidFill>
                   <a:schemeClr val="tx1">
                     <a:tint val="75000"/>
@@ -927,9 +930,9 @@
                 </a:solidFill>
               </a:defRPr>
             </a:lvl4pPr>
-            <a:lvl5pPr marL="1828800" indent="0">
-              <a:buNone/>
-              <a:defRPr sz="1600">
+            <a:lvl5pPr marL="2438339" indent="0">
+              <a:buNone/>
+              <a:defRPr sz="2133">
                 <a:solidFill>
                   <a:schemeClr val="tx1">
                     <a:tint val="75000"/>
@@ -937,9 +940,9 @@
                 </a:solidFill>
               </a:defRPr>
             </a:lvl5pPr>
-            <a:lvl6pPr marL="2286000" indent="0">
-              <a:buNone/>
-              <a:defRPr sz="1600">
+            <a:lvl6pPr marL="3047924" indent="0">
+              <a:buNone/>
+              <a:defRPr sz="2133">
                 <a:solidFill>
                   <a:schemeClr val="tx1">
                     <a:tint val="75000"/>
@@ -947,9 +950,9 @@
                 </a:solidFill>
               </a:defRPr>
             </a:lvl6pPr>
-            <a:lvl7pPr marL="2743200" indent="0">
-              <a:buNone/>
-              <a:defRPr sz="1600">
+            <a:lvl7pPr marL="3657509" indent="0">
+              <a:buNone/>
+              <a:defRPr sz="2133">
                 <a:solidFill>
                   <a:schemeClr val="tx1">
                     <a:tint val="75000"/>
@@ -957,9 +960,9 @@
                 </a:solidFill>
               </a:defRPr>
             </a:lvl7pPr>
-            <a:lvl8pPr marL="3200400" indent="0">
-              <a:buNone/>
-              <a:defRPr sz="1600">
+            <a:lvl8pPr marL="4267093" indent="0">
+              <a:buNone/>
+              <a:defRPr sz="2133">
                 <a:solidFill>
                   <a:schemeClr val="tx1">
                     <a:tint val="75000"/>
@@ -967,9 +970,9 @@
                 </a:solidFill>
               </a:defRPr>
             </a:lvl8pPr>
-            <a:lvl9pPr marL="3657600" indent="0">
-              <a:buNone/>
-              <a:defRPr sz="1600">
+            <a:lvl9pPr marL="4876678" indent="0">
+              <a:buNone/>
+              <a:defRPr sz="2133">
                 <a:solidFill>
                   <a:schemeClr val="tx1">
                     <a:tint val="75000"/>
@@ -1004,7 +1007,7 @@
           <a:p>
             <a:fld id="{FA8EBA90-CD99-4A16-B044-545A23C4C08C}" type="datetimeFigureOut">
               <a:rPr lang="en-US" smtClean="0"/>
-              <a:t>8/16/2020</a:t>
+              <a:t>8/17/2020</a:t>
             </a:fld>
             <a:endParaRPr lang="en-US"/>
           </a:p>
@@ -1055,7 +1058,7 @@
     </p:spTree>
     <p:extLst>
       <p:ext uri="{BB962C8B-B14F-4D97-AF65-F5344CB8AC3E}">
-        <p14:creationId xmlns:p14="http://schemas.microsoft.com/office/powerpoint/2010/main" val="4271603762"/>
+        <p14:creationId xmlns:p14="http://schemas.microsoft.com/office/powerpoint/2010/main" val="4188100916"/>
       </p:ext>
     </p:extLst>
   </p:cSld>
@@ -1101,7 +1104,7 @@
               <a:rPr lang="en-US" smtClean="0"/>
               <a:t>Click to edit Master title style</a:t>
             </a:r>
-            <a:endParaRPr lang="en-US"/>
+            <a:endParaRPr lang="en-US" dirty="0"/>
           </a:p>
         </p:txBody>
       </p:sp>
@@ -1117,8 +1120,8 @@
         </p:nvSpPr>
         <p:spPr>
           <a:xfrm>
-            <a:off x="838200" y="1825625"/>
-            <a:ext cx="5181600" cy="4351338"/>
+            <a:off x="838200" y="4868333"/>
+            <a:ext cx="5181600" cy="11603568"/>
           </a:xfrm>
         </p:spPr>
         <p:txBody>
@@ -1158,7 +1161,7 @@
               <a:rPr lang="en-US" smtClean="0"/>
               <a:t>Fifth level</a:t>
             </a:r>
-            <a:endParaRPr lang="en-US"/>
+            <a:endParaRPr lang="en-US" dirty="0"/>
           </a:p>
         </p:txBody>
       </p:sp>
@@ -1174,8 +1177,8 @@
         </p:nvSpPr>
         <p:spPr>
           <a:xfrm>
-            <a:off x="6172200" y="1825625"/>
-            <a:ext cx="5181600" cy="4351338"/>
+            <a:off x="6172200" y="4868333"/>
+            <a:ext cx="5181600" cy="11603568"/>
           </a:xfrm>
         </p:spPr>
         <p:txBody>
@@ -1215,7 +1218,7 @@
               <a:rPr lang="en-US" smtClean="0"/>
               <a:t>Fifth level</a:t>
             </a:r>
-            <a:endParaRPr lang="en-US"/>
+            <a:endParaRPr lang="en-US" dirty="0"/>
           </a:p>
         </p:txBody>
       </p:sp>
@@ -1236,7 +1239,7 @@
           <a:p>
             <a:fld id="{FA8EBA90-CD99-4A16-B044-545A23C4C08C}" type="datetimeFigureOut">
               <a:rPr lang="en-US" smtClean="0"/>
-              <a:t>8/16/2020</a:t>
+              <a:t>8/17/2020</a:t>
             </a:fld>
             <a:endParaRPr lang="en-US"/>
           </a:p>
@@ -1287,7 +1290,7 @@
     </p:spTree>
     <p:extLst>
       <p:ext uri="{BB962C8B-B14F-4D97-AF65-F5344CB8AC3E}">
-        <p14:creationId xmlns:p14="http://schemas.microsoft.com/office/powerpoint/2010/main" val="3056897421"/>
+        <p14:creationId xmlns:p14="http://schemas.microsoft.com/office/powerpoint/2010/main" val="3345747998"/>
       </p:ext>
     </p:extLst>
   </p:cSld>
@@ -1326,8 +1329,8 @@
         </p:nvSpPr>
         <p:spPr>
           <a:xfrm>
-            <a:off x="839788" y="365125"/>
-            <a:ext cx="10515600" cy="1325563"/>
+            <a:off x="839788" y="973671"/>
+            <a:ext cx="10515600" cy="3534835"/>
           </a:xfrm>
         </p:spPr>
         <p:txBody>
@@ -1338,7 +1341,7 @@
               <a:rPr lang="en-US" smtClean="0"/>
               <a:t>Click to edit Master title style</a:t>
             </a:r>
-            <a:endParaRPr lang="en-US"/>
+            <a:endParaRPr lang="en-US" dirty="0"/>
           </a:p>
         </p:txBody>
       </p:sp>
@@ -1354,8 +1357,8 @@
         </p:nvSpPr>
         <p:spPr>
           <a:xfrm>
-            <a:off x="839788" y="1681163"/>
-            <a:ext cx="5157787" cy="823912"/>
+            <a:off x="839789" y="4483101"/>
+            <a:ext cx="5157787" cy="2197099"/>
           </a:xfrm>
         </p:spPr>
         <p:txBody>
@@ -1363,39 +1366,39 @@
           <a:lstStyle>
             <a:lvl1pPr marL="0" indent="0">
               <a:buNone/>
+              <a:defRPr sz="3200" b="1"/>
+            </a:lvl1pPr>
+            <a:lvl2pPr marL="609585" indent="0">
+              <a:buNone/>
+              <a:defRPr sz="2667" b="1"/>
+            </a:lvl2pPr>
+            <a:lvl3pPr marL="1219170" indent="0">
+              <a:buNone/>
               <a:defRPr sz="2400" b="1"/>
-            </a:lvl1pPr>
-            <a:lvl2pPr marL="457200" indent="0">
-              <a:buNone/>
-              <a:defRPr sz="2000" b="1"/>
-            </a:lvl2pPr>
-            <a:lvl3pPr marL="914400" indent="0">
-              <a:buNone/>
-              <a:defRPr sz="1800" b="1"/>
             </a:lvl3pPr>
-            <a:lvl4pPr marL="1371600" indent="0">
-              <a:buNone/>
-              <a:defRPr sz="1600" b="1"/>
+            <a:lvl4pPr marL="1828754" indent="0">
+              <a:buNone/>
+              <a:defRPr sz="2133" b="1"/>
             </a:lvl4pPr>
-            <a:lvl5pPr marL="1828800" indent="0">
-              <a:buNone/>
-              <a:defRPr sz="1600" b="1"/>
+            <a:lvl5pPr marL="2438339" indent="0">
+              <a:buNone/>
+              <a:defRPr sz="2133" b="1"/>
             </a:lvl5pPr>
-            <a:lvl6pPr marL="2286000" indent="0">
-              <a:buNone/>
-              <a:defRPr sz="1600" b="1"/>
+            <a:lvl6pPr marL="3047924" indent="0">
+              <a:buNone/>
+              <a:defRPr sz="2133" b="1"/>
             </a:lvl6pPr>
-            <a:lvl7pPr marL="2743200" indent="0">
-              <a:buNone/>
-              <a:defRPr sz="1600" b="1"/>
+            <a:lvl7pPr marL="3657509" indent="0">
+              <a:buNone/>
+              <a:defRPr sz="2133" b="1"/>
             </a:lvl7pPr>
-            <a:lvl8pPr marL="3200400" indent="0">
-              <a:buNone/>
-              <a:defRPr sz="1600" b="1"/>
+            <a:lvl8pPr marL="4267093" indent="0">
+              <a:buNone/>
+              <a:defRPr sz="2133" b="1"/>
             </a:lvl8pPr>
-            <a:lvl9pPr marL="3657600" indent="0">
-              <a:buNone/>
-              <a:defRPr sz="1600" b="1"/>
+            <a:lvl9pPr marL="4876678" indent="0">
+              <a:buNone/>
+              <a:defRPr sz="2133" b="1"/>
             </a:lvl9pPr>
           </a:lstStyle>
           <a:p>
@@ -1419,8 +1422,8 @@
         </p:nvSpPr>
         <p:spPr>
           <a:xfrm>
-            <a:off x="839788" y="2505075"/>
-            <a:ext cx="5157787" cy="3684588"/>
+            <a:off x="839789" y="6680200"/>
+            <a:ext cx="5157787" cy="9825568"/>
           </a:xfrm>
         </p:spPr>
         <p:txBody>
@@ -1460,7 +1463,7 @@
               <a:rPr lang="en-US" smtClean="0"/>
               <a:t>Fifth level</a:t>
             </a:r>
-            <a:endParaRPr lang="en-US"/>
+            <a:endParaRPr lang="en-US" dirty="0"/>
           </a:p>
         </p:txBody>
       </p:sp>
@@ -1476,8 +1479,8 @@
         </p:nvSpPr>
         <p:spPr>
           <a:xfrm>
-            <a:off x="6172200" y="1681163"/>
-            <a:ext cx="5183188" cy="823912"/>
+            <a:off x="6172201" y="4483101"/>
+            <a:ext cx="5183188" cy="2197099"/>
           </a:xfrm>
         </p:spPr>
         <p:txBody>
@@ -1485,39 +1488,39 @@
           <a:lstStyle>
             <a:lvl1pPr marL="0" indent="0">
               <a:buNone/>
+              <a:defRPr sz="3200" b="1"/>
+            </a:lvl1pPr>
+            <a:lvl2pPr marL="609585" indent="0">
+              <a:buNone/>
+              <a:defRPr sz="2667" b="1"/>
+            </a:lvl2pPr>
+            <a:lvl3pPr marL="1219170" indent="0">
+              <a:buNone/>
               <a:defRPr sz="2400" b="1"/>
-            </a:lvl1pPr>
-            <a:lvl2pPr marL="457200" indent="0">
-              <a:buNone/>
-              <a:defRPr sz="2000" b="1"/>
-            </a:lvl2pPr>
-            <a:lvl3pPr marL="914400" indent="0">
-              <a:buNone/>
-              <a:defRPr sz="1800" b="1"/>
             </a:lvl3pPr>
-            <a:lvl4pPr marL="1371600" indent="0">
-              <a:buNone/>
-              <a:defRPr sz="1600" b="1"/>
+            <a:lvl4pPr marL="1828754" indent="0">
+              <a:buNone/>
+              <a:defRPr sz="2133" b="1"/>
             </a:lvl4pPr>
-            <a:lvl5pPr marL="1828800" indent="0">
-              <a:buNone/>
-              <a:defRPr sz="1600" b="1"/>
+            <a:lvl5pPr marL="2438339" indent="0">
+              <a:buNone/>
+              <a:defRPr sz="2133" b="1"/>
             </a:lvl5pPr>
-            <a:lvl6pPr marL="2286000" indent="0">
-              <a:buNone/>
-              <a:defRPr sz="1600" b="1"/>
+            <a:lvl6pPr marL="3047924" indent="0">
+              <a:buNone/>
+              <a:defRPr sz="2133" b="1"/>
             </a:lvl6pPr>
-            <a:lvl7pPr marL="2743200" indent="0">
-              <a:buNone/>
-              <a:defRPr sz="1600" b="1"/>
+            <a:lvl7pPr marL="3657509" indent="0">
+              <a:buNone/>
+              <a:defRPr sz="2133" b="1"/>
             </a:lvl7pPr>
-            <a:lvl8pPr marL="3200400" indent="0">
-              <a:buNone/>
-              <a:defRPr sz="1600" b="1"/>
+            <a:lvl8pPr marL="4267093" indent="0">
+              <a:buNone/>
+              <a:defRPr sz="2133" b="1"/>
             </a:lvl8pPr>
-            <a:lvl9pPr marL="3657600" indent="0">
-              <a:buNone/>
-              <a:defRPr sz="1600" b="1"/>
+            <a:lvl9pPr marL="4876678" indent="0">
+              <a:buNone/>
+              <a:defRPr sz="2133" b="1"/>
             </a:lvl9pPr>
           </a:lstStyle>
           <a:p>
@@ -1541,8 +1544,8 @@
         </p:nvSpPr>
         <p:spPr>
           <a:xfrm>
-            <a:off x="6172200" y="2505075"/>
-            <a:ext cx="5183188" cy="3684588"/>
+            <a:off x="6172201" y="6680200"/>
+            <a:ext cx="5183188" cy="9825568"/>
           </a:xfrm>
         </p:spPr>
         <p:txBody>
@@ -1582,7 +1585,7 @@
               <a:rPr lang="en-US" smtClean="0"/>
               <a:t>Fifth level</a:t>
             </a:r>
-            <a:endParaRPr lang="en-US"/>
+            <a:endParaRPr lang="en-US" dirty="0"/>
           </a:p>
         </p:txBody>
       </p:sp>
@@ -1603,7 +1606,7 @@
           <a:p>
             <a:fld id="{FA8EBA90-CD99-4A16-B044-545A23C4C08C}" type="datetimeFigureOut">
               <a:rPr lang="en-US" smtClean="0"/>
-              <a:t>8/16/2020</a:t>
+              <a:t>8/17/2020</a:t>
             </a:fld>
             <a:endParaRPr lang="en-US"/>
           </a:p>
@@ -1654,7 +1657,7 @@
     </p:spTree>
     <p:extLst>
       <p:ext uri="{BB962C8B-B14F-4D97-AF65-F5344CB8AC3E}">
-        <p14:creationId xmlns:p14="http://schemas.microsoft.com/office/powerpoint/2010/main" val="3702968319"/>
+        <p14:creationId xmlns:p14="http://schemas.microsoft.com/office/powerpoint/2010/main" val="982352240"/>
       </p:ext>
     </p:extLst>
   </p:cSld>
@@ -1700,7 +1703,7 @@
               <a:rPr lang="en-US" smtClean="0"/>
               <a:t>Click to edit Master title style</a:t>
             </a:r>
-            <a:endParaRPr lang="en-US"/>
+            <a:endParaRPr lang="en-US" dirty="0"/>
           </a:p>
         </p:txBody>
       </p:sp>
@@ -1721,7 +1724,7 @@
           <a:p>
             <a:fld id="{FA8EBA90-CD99-4A16-B044-545A23C4C08C}" type="datetimeFigureOut">
               <a:rPr lang="en-US" smtClean="0"/>
-              <a:t>8/16/2020</a:t>
+              <a:t>8/17/2020</a:t>
             </a:fld>
             <a:endParaRPr lang="en-US"/>
           </a:p>
@@ -1772,7 +1775,7 @@
     </p:spTree>
     <p:extLst>
       <p:ext uri="{BB962C8B-B14F-4D97-AF65-F5344CB8AC3E}">
-        <p14:creationId xmlns:p14="http://schemas.microsoft.com/office/powerpoint/2010/main" val="4059358894"/>
+        <p14:creationId xmlns:p14="http://schemas.microsoft.com/office/powerpoint/2010/main" val="2847612075"/>
       </p:ext>
     </p:extLst>
   </p:cSld>
@@ -1816,7 +1819,7 @@
           <a:p>
             <a:fld id="{FA8EBA90-CD99-4A16-B044-545A23C4C08C}" type="datetimeFigureOut">
               <a:rPr lang="en-US" smtClean="0"/>
-              <a:t>8/16/2020</a:t>
+              <a:t>8/17/2020</a:t>
             </a:fld>
             <a:endParaRPr lang="en-US"/>
           </a:p>
@@ -1867,7 +1870,7 @@
     </p:spTree>
     <p:extLst>
       <p:ext uri="{BB962C8B-B14F-4D97-AF65-F5344CB8AC3E}">
-        <p14:creationId xmlns:p14="http://schemas.microsoft.com/office/powerpoint/2010/main" val="910526665"/>
+        <p14:creationId xmlns:p14="http://schemas.microsoft.com/office/powerpoint/2010/main" val="50829684"/>
       </p:ext>
     </p:extLst>
   </p:cSld>
@@ -1906,15 +1909,15 @@
         </p:nvSpPr>
         <p:spPr>
           <a:xfrm>
-            <a:off x="839788" y="457200"/>
-            <a:ext cx="3932237" cy="1600200"/>
+            <a:off x="839788" y="1219200"/>
+            <a:ext cx="3932237" cy="4267200"/>
           </a:xfrm>
         </p:spPr>
         <p:txBody>
           <a:bodyPr anchor="b"/>
           <a:lstStyle>
             <a:lvl1pPr>
-              <a:defRPr sz="3200"/>
+              <a:defRPr sz="4267"/>
             </a:lvl1pPr>
           </a:lstStyle>
           <a:p>
@@ -1922,7 +1925,7 @@
               <a:rPr lang="en-US" smtClean="0"/>
               <a:t>Click to edit Master title style</a:t>
             </a:r>
-            <a:endParaRPr lang="en-US"/>
+            <a:endParaRPr lang="en-US" dirty="0"/>
           </a:p>
         </p:txBody>
       </p:sp>
@@ -1938,39 +1941,39 @@
         </p:nvSpPr>
         <p:spPr>
           <a:xfrm>
-            <a:off x="5183188" y="987425"/>
-            <a:ext cx="6172200" cy="4873625"/>
+            <a:off x="5183188" y="2633138"/>
+            <a:ext cx="6172200" cy="12996333"/>
           </a:xfrm>
         </p:spPr>
         <p:txBody>
           <a:bodyPr/>
           <a:lstStyle>
             <a:lvl1pPr>
-              <a:defRPr sz="3200"/>
+              <a:defRPr sz="4267"/>
             </a:lvl1pPr>
             <a:lvl2pPr>
-              <a:defRPr sz="2800"/>
+              <a:defRPr sz="3733"/>
             </a:lvl2pPr>
             <a:lvl3pPr>
-              <a:defRPr sz="2400"/>
+              <a:defRPr sz="3200"/>
             </a:lvl3pPr>
             <a:lvl4pPr>
-              <a:defRPr sz="2000"/>
+              <a:defRPr sz="2667"/>
             </a:lvl4pPr>
             <a:lvl5pPr>
-              <a:defRPr sz="2000"/>
+              <a:defRPr sz="2667"/>
             </a:lvl5pPr>
             <a:lvl6pPr>
-              <a:defRPr sz="2000"/>
+              <a:defRPr sz="2667"/>
             </a:lvl6pPr>
             <a:lvl7pPr>
-              <a:defRPr sz="2000"/>
+              <a:defRPr sz="2667"/>
             </a:lvl7pPr>
             <a:lvl8pPr>
-              <a:defRPr sz="2000"/>
+              <a:defRPr sz="2667"/>
             </a:lvl8pPr>
             <a:lvl9pPr>
-              <a:defRPr sz="2000"/>
+              <a:defRPr sz="2667"/>
             </a:lvl9pPr>
           </a:lstStyle>
           <a:p>
@@ -2007,7 +2010,7 @@
               <a:rPr lang="en-US" smtClean="0"/>
               <a:t>Fifth level</a:t>
             </a:r>
-            <a:endParaRPr lang="en-US"/>
+            <a:endParaRPr lang="en-US" dirty="0"/>
           </a:p>
         </p:txBody>
       </p:sp>
@@ -2023,8 +2026,8 @@
         </p:nvSpPr>
         <p:spPr>
           <a:xfrm>
-            <a:off x="839788" y="2057400"/>
-            <a:ext cx="3932237" cy="3811588"/>
+            <a:off x="839788" y="5486400"/>
+            <a:ext cx="3932237" cy="10164235"/>
           </a:xfrm>
         </p:spPr>
         <p:txBody>
@@ -2032,39 +2035,39 @@
           <a:lstStyle>
             <a:lvl1pPr marL="0" indent="0">
               <a:buNone/>
+              <a:defRPr sz="2133"/>
+            </a:lvl1pPr>
+            <a:lvl2pPr marL="609585" indent="0">
+              <a:buNone/>
+              <a:defRPr sz="1867"/>
+            </a:lvl2pPr>
+            <a:lvl3pPr marL="1219170" indent="0">
+              <a:buNone/>
               <a:defRPr sz="1600"/>
-            </a:lvl1pPr>
-            <a:lvl2pPr marL="457200" indent="0">
-              <a:buNone/>
-              <a:defRPr sz="1400"/>
-            </a:lvl2pPr>
-            <a:lvl3pPr marL="914400" indent="0">
-              <a:buNone/>
-              <a:defRPr sz="1200"/>
             </a:lvl3pPr>
-            <a:lvl4pPr marL="1371600" indent="0">
-              <a:buNone/>
-              <a:defRPr sz="1000"/>
+            <a:lvl4pPr marL="1828754" indent="0">
+              <a:buNone/>
+              <a:defRPr sz="1333"/>
             </a:lvl4pPr>
-            <a:lvl5pPr marL="1828800" indent="0">
-              <a:buNone/>
-              <a:defRPr sz="1000"/>
+            <a:lvl5pPr marL="2438339" indent="0">
+              <a:buNone/>
+              <a:defRPr sz="1333"/>
             </a:lvl5pPr>
-            <a:lvl6pPr marL="2286000" indent="0">
-              <a:buNone/>
-              <a:defRPr sz="1000"/>
+            <a:lvl6pPr marL="3047924" indent="0">
+              <a:buNone/>
+              <a:defRPr sz="1333"/>
             </a:lvl6pPr>
-            <a:lvl7pPr marL="2743200" indent="0">
-              <a:buNone/>
-              <a:defRPr sz="1000"/>
+            <a:lvl7pPr marL="3657509" indent="0">
+              <a:buNone/>
+              <a:defRPr sz="1333"/>
             </a:lvl7pPr>
-            <a:lvl8pPr marL="3200400" indent="0">
-              <a:buNone/>
-              <a:defRPr sz="1000"/>
+            <a:lvl8pPr marL="4267093" indent="0">
+              <a:buNone/>
+              <a:defRPr sz="1333"/>
             </a:lvl8pPr>
-            <a:lvl9pPr marL="3657600" indent="0">
-              <a:buNone/>
-              <a:defRPr sz="1000"/>
+            <a:lvl9pPr marL="4876678" indent="0">
+              <a:buNone/>
+              <a:defRPr sz="1333"/>
             </a:lvl9pPr>
           </a:lstStyle>
           <a:p>
@@ -2093,7 +2096,7 @@
           <a:p>
             <a:fld id="{FA8EBA90-CD99-4A16-B044-545A23C4C08C}" type="datetimeFigureOut">
               <a:rPr lang="en-US" smtClean="0"/>
-              <a:t>8/16/2020</a:t>
+              <a:t>8/17/2020</a:t>
             </a:fld>
             <a:endParaRPr lang="en-US"/>
           </a:p>
@@ -2144,7 +2147,7 @@
     </p:spTree>
     <p:extLst>
       <p:ext uri="{BB962C8B-B14F-4D97-AF65-F5344CB8AC3E}">
-        <p14:creationId xmlns:p14="http://schemas.microsoft.com/office/powerpoint/2010/main" val="1167661861"/>
+        <p14:creationId xmlns:p14="http://schemas.microsoft.com/office/powerpoint/2010/main" val="3678529527"/>
       </p:ext>
     </p:extLst>
   </p:cSld>
@@ -2183,15 +2186,15 @@
         </p:nvSpPr>
         <p:spPr>
           <a:xfrm>
-            <a:off x="839788" y="457200"/>
-            <a:ext cx="3932237" cy="1600200"/>
+            <a:off x="839788" y="1219200"/>
+            <a:ext cx="3932237" cy="4267200"/>
           </a:xfrm>
         </p:spPr>
         <p:txBody>
           <a:bodyPr anchor="b"/>
           <a:lstStyle>
             <a:lvl1pPr>
-              <a:defRPr sz="3200"/>
+              <a:defRPr sz="4267"/>
             </a:lvl1pPr>
           </a:lstStyle>
           <a:p>
@@ -2199,7 +2202,7 @@
               <a:rPr lang="en-US" smtClean="0"/>
               <a:t>Click to edit Master title style</a:t>
             </a:r>
-            <a:endParaRPr lang="en-US"/>
+            <a:endParaRPr lang="en-US" dirty="0"/>
           </a:p>
         </p:txBody>
       </p:sp>
@@ -2207,7 +2210,7 @@
         <p:nvSpPr>
           <p:cNvPr id="3" name="Picture Placeholder 2"/>
           <p:cNvSpPr>
-            <a:spLocks noGrp="1"/>
+            <a:spLocks noGrp="1" noChangeAspect="1"/>
           </p:cNvSpPr>
           <p:nvPr>
             <p:ph type="pic" idx="1"/>
@@ -2215,52 +2218,56 @@
         </p:nvSpPr>
         <p:spPr>
           <a:xfrm>
-            <a:off x="5183188" y="987425"/>
-            <a:ext cx="6172200" cy="4873625"/>
+            <a:off x="5183188" y="2633138"/>
+            <a:ext cx="6172200" cy="12996333"/>
           </a:xfrm>
         </p:spPr>
         <p:txBody>
-          <a:bodyPr/>
+          <a:bodyPr anchor="t"/>
           <a:lstStyle>
             <a:lvl1pPr marL="0" indent="0">
               <a:buNone/>
+              <a:defRPr sz="4267"/>
+            </a:lvl1pPr>
+            <a:lvl2pPr marL="609585" indent="0">
+              <a:buNone/>
+              <a:defRPr sz="3733"/>
+            </a:lvl2pPr>
+            <a:lvl3pPr marL="1219170" indent="0">
+              <a:buNone/>
               <a:defRPr sz="3200"/>
-            </a:lvl1pPr>
-            <a:lvl2pPr marL="457200" indent="0">
-              <a:buNone/>
-              <a:defRPr sz="2800"/>
-            </a:lvl2pPr>
-            <a:lvl3pPr marL="914400" indent="0">
-              <a:buNone/>
-              <a:defRPr sz="2400"/>
             </a:lvl3pPr>
-            <a:lvl4pPr marL="1371600" indent="0">
-              <a:buNone/>
-              <a:defRPr sz="2000"/>
+            <a:lvl4pPr marL="1828754" indent="0">
+              <a:buNone/>
+              <a:defRPr sz="2667"/>
             </a:lvl4pPr>
-            <a:lvl5pPr marL="1828800" indent="0">
-              <a:buNone/>
-              <a:defRPr sz="2000"/>
+            <a:lvl5pPr marL="2438339" indent="0">
+              <a:buNone/>
+              <a:defRPr sz="2667"/>
             </a:lvl5pPr>
-            <a:lvl6pPr marL="2286000" indent="0">
-              <a:buNone/>
-              <a:defRPr sz="2000"/>
+            <a:lvl6pPr marL="3047924" indent="0">
+              <a:buNone/>
+              <a:defRPr sz="2667"/>
             </a:lvl6pPr>
-            <a:lvl7pPr marL="2743200" indent="0">
-              <a:buNone/>
-              <a:defRPr sz="2000"/>
+            <a:lvl7pPr marL="3657509" indent="0">
+              <a:buNone/>
+              <a:defRPr sz="2667"/>
             </a:lvl7pPr>
-            <a:lvl8pPr marL="3200400" indent="0">
-              <a:buNone/>
-              <a:defRPr sz="2000"/>
+            <a:lvl8pPr marL="4267093" indent="0">
+              <a:buNone/>
+              <a:defRPr sz="2667"/>
             </a:lvl8pPr>
-            <a:lvl9pPr marL="3657600" indent="0">
-              <a:buNone/>
-              <a:defRPr sz="2000"/>
+            <a:lvl9pPr marL="4876678" indent="0">
+              <a:buNone/>
+              <a:defRPr sz="2667"/>
             </a:lvl9pPr>
           </a:lstStyle>
           <a:p>
-            <a:endParaRPr lang="en-US"/>
+            <a:r>
+              <a:rPr lang="en-US" smtClean="0"/>
+              <a:t>Click icon to add picture</a:t>
+            </a:r>
+            <a:endParaRPr lang="en-US" dirty="0"/>
           </a:p>
         </p:txBody>
       </p:sp>
@@ -2276,8 +2283,8 @@
         </p:nvSpPr>
         <p:spPr>
           <a:xfrm>
-            <a:off x="839788" y="2057400"/>
-            <a:ext cx="3932237" cy="3811588"/>
+            <a:off x="839788" y="5486400"/>
+            <a:ext cx="3932237" cy="10164235"/>
           </a:xfrm>
         </p:spPr>
         <p:txBody>
@@ -2285,39 +2292,39 @@
           <a:lstStyle>
             <a:lvl1pPr marL="0" indent="0">
               <a:buNone/>
+              <a:defRPr sz="2133"/>
+            </a:lvl1pPr>
+            <a:lvl2pPr marL="609585" indent="0">
+              <a:buNone/>
+              <a:defRPr sz="1867"/>
+            </a:lvl2pPr>
+            <a:lvl3pPr marL="1219170" indent="0">
+              <a:buNone/>
               <a:defRPr sz="1600"/>
-            </a:lvl1pPr>
-            <a:lvl2pPr marL="457200" indent="0">
-              <a:buNone/>
-              <a:defRPr sz="1400"/>
-            </a:lvl2pPr>
-            <a:lvl3pPr marL="914400" indent="0">
-              <a:buNone/>
-              <a:defRPr sz="1200"/>
             </a:lvl3pPr>
-            <a:lvl4pPr marL="1371600" indent="0">
-              <a:buNone/>
-              <a:defRPr sz="1000"/>
+            <a:lvl4pPr marL="1828754" indent="0">
+              <a:buNone/>
+              <a:defRPr sz="1333"/>
             </a:lvl4pPr>
-            <a:lvl5pPr marL="1828800" indent="0">
-              <a:buNone/>
-              <a:defRPr sz="1000"/>
+            <a:lvl5pPr marL="2438339" indent="0">
+              <a:buNone/>
+              <a:defRPr sz="1333"/>
             </a:lvl5pPr>
-            <a:lvl6pPr marL="2286000" indent="0">
-              <a:buNone/>
-              <a:defRPr sz="1000"/>
+            <a:lvl6pPr marL="3047924" indent="0">
+              <a:buNone/>
+              <a:defRPr sz="1333"/>
             </a:lvl6pPr>
-            <a:lvl7pPr marL="2743200" indent="0">
-              <a:buNone/>
-              <a:defRPr sz="1000"/>
+            <a:lvl7pPr marL="3657509" indent="0">
+              <a:buNone/>
+              <a:defRPr sz="1333"/>
             </a:lvl7pPr>
-            <a:lvl8pPr marL="3200400" indent="0">
-              <a:buNone/>
-              <a:defRPr sz="1000"/>
+            <a:lvl8pPr marL="4267093" indent="0">
+              <a:buNone/>
+              <a:defRPr sz="1333"/>
             </a:lvl8pPr>
-            <a:lvl9pPr marL="3657600" indent="0">
-              <a:buNone/>
-              <a:defRPr sz="1000"/>
+            <a:lvl9pPr marL="4876678" indent="0">
+              <a:buNone/>
+              <a:defRPr sz="1333"/>
             </a:lvl9pPr>
           </a:lstStyle>
           <a:p>
@@ -2346,7 +2353,7 @@
           <a:p>
             <a:fld id="{FA8EBA90-CD99-4A16-B044-545A23C4C08C}" type="datetimeFigureOut">
               <a:rPr lang="en-US" smtClean="0"/>
-              <a:t>8/16/2020</a:t>
+              <a:t>8/17/2020</a:t>
             </a:fld>
             <a:endParaRPr lang="en-US"/>
           </a:p>
@@ -2397,7 +2404,7 @@
     </p:spTree>
     <p:extLst>
       <p:ext uri="{BB962C8B-B14F-4D97-AF65-F5344CB8AC3E}">
-        <p14:creationId xmlns:p14="http://schemas.microsoft.com/office/powerpoint/2010/main" val="3796453207"/>
+        <p14:creationId xmlns:p14="http://schemas.microsoft.com/office/powerpoint/2010/main" val="1782351422"/>
       </p:ext>
     </p:extLst>
   </p:cSld>
@@ -2441,8 +2448,8 @@
         </p:nvSpPr>
         <p:spPr>
           <a:xfrm>
-            <a:off x="838200" y="365125"/>
-            <a:ext cx="10515600" cy="1325563"/>
+            <a:off x="838200" y="973671"/>
+            <a:ext cx="10515600" cy="3534835"/>
           </a:xfrm>
           <a:prstGeom prst="rect">
             <a:avLst/>
@@ -2458,7 +2465,7 @@
               <a:rPr lang="en-US" smtClean="0"/>
               <a:t>Click to edit Master title style</a:t>
             </a:r>
-            <a:endParaRPr lang="en-US"/>
+            <a:endParaRPr lang="en-US" dirty="0"/>
           </a:p>
         </p:txBody>
       </p:sp>
@@ -2474,8 +2481,8 @@
         </p:nvSpPr>
         <p:spPr>
           <a:xfrm>
-            <a:off x="838200" y="1825625"/>
-            <a:ext cx="10515600" cy="4351338"/>
+            <a:off x="838200" y="4868333"/>
+            <a:ext cx="10515600" cy="11603568"/>
           </a:xfrm>
           <a:prstGeom prst="rect">
             <a:avLst/>
@@ -2520,7 +2527,7 @@
               <a:rPr lang="en-US" smtClean="0"/>
               <a:t>Fifth level</a:t>
             </a:r>
-            <a:endParaRPr lang="en-US"/>
+            <a:endParaRPr lang="en-US" dirty="0"/>
           </a:p>
         </p:txBody>
       </p:sp>
@@ -2536,8 +2543,8 @@
         </p:nvSpPr>
         <p:spPr>
           <a:xfrm>
-            <a:off x="838200" y="6356350"/>
-            <a:ext cx="2743200" cy="365125"/>
+            <a:off x="838200" y="16950271"/>
+            <a:ext cx="2743200" cy="973667"/>
           </a:xfrm>
           <a:prstGeom prst="rect">
             <a:avLst/>
@@ -2547,7 +2554,7 @@
           <a:bodyPr vert="horz" lIns="91440" tIns="45720" rIns="91440" bIns="45720" rtlCol="0" anchor="ctr"/>
           <a:lstStyle>
             <a:lvl1pPr algn="l">
-              <a:defRPr sz="1200">
+              <a:defRPr sz="1600">
                 <a:solidFill>
                   <a:schemeClr val="tx1">
                     <a:tint val="75000"/>
@@ -2559,7 +2566,7 @@
           <a:p>
             <a:fld id="{FA8EBA90-CD99-4A16-B044-545A23C4C08C}" type="datetimeFigureOut">
               <a:rPr lang="en-US" smtClean="0"/>
-              <a:t>8/16/2020</a:t>
+              <a:t>8/17/2020</a:t>
             </a:fld>
             <a:endParaRPr lang="en-US"/>
           </a:p>
@@ -2577,8 +2584,8 @@
         </p:nvSpPr>
         <p:spPr>
           <a:xfrm>
-            <a:off x="4038600" y="6356350"/>
-            <a:ext cx="4114800" cy="365125"/>
+            <a:off x="4038600" y="16950271"/>
+            <a:ext cx="4114800" cy="973667"/>
           </a:xfrm>
           <a:prstGeom prst="rect">
             <a:avLst/>
@@ -2588,7 +2595,7 @@
           <a:bodyPr vert="horz" lIns="91440" tIns="45720" rIns="91440" bIns="45720" rtlCol="0" anchor="ctr"/>
           <a:lstStyle>
             <a:lvl1pPr algn="ctr">
-              <a:defRPr sz="1200">
+              <a:defRPr sz="1600">
                 <a:solidFill>
                   <a:schemeClr val="tx1">
                     <a:tint val="75000"/>
@@ -2614,8 +2621,8 @@
         </p:nvSpPr>
         <p:spPr>
           <a:xfrm>
-            <a:off x="8610600" y="6356350"/>
-            <a:ext cx="2743200" cy="365125"/>
+            <a:off x="8610600" y="16950271"/>
+            <a:ext cx="2743200" cy="973667"/>
           </a:xfrm>
           <a:prstGeom prst="rect">
             <a:avLst/>
@@ -2625,7 +2632,7 @@
           <a:bodyPr vert="horz" lIns="91440" tIns="45720" rIns="91440" bIns="45720" rtlCol="0" anchor="ctr"/>
           <a:lstStyle>
             <a:lvl1pPr algn="r">
-              <a:defRPr sz="1200">
+              <a:defRPr sz="1600">
                 <a:solidFill>
                   <a:schemeClr val="tx1">
                     <a:tint val="75000"/>
@@ -2646,27 +2653,27 @@
     </p:spTree>
     <p:extLst>
       <p:ext uri="{BB962C8B-B14F-4D97-AF65-F5344CB8AC3E}">
-        <p14:creationId xmlns:p14="http://schemas.microsoft.com/office/powerpoint/2010/main" val="1971778503"/>
+        <p14:creationId xmlns:p14="http://schemas.microsoft.com/office/powerpoint/2010/main" val="3009465613"/>
       </p:ext>
     </p:extLst>
   </p:cSld>
   <p:clrMap bg1="lt1" tx1="dk1" bg2="lt2" tx2="dk2" accent1="accent1" accent2="accent2" accent3="accent3" accent4="accent4" accent5="accent5" accent6="accent6" hlink="hlink" folHlink="folHlink"/>
   <p:sldLayoutIdLst>
-    <p:sldLayoutId id="2147483649" r:id="rId1"/>
-    <p:sldLayoutId id="2147483650" r:id="rId2"/>
-    <p:sldLayoutId id="2147483651" r:id="rId3"/>
-    <p:sldLayoutId id="2147483652" r:id="rId4"/>
-    <p:sldLayoutId id="2147483653" r:id="rId5"/>
-    <p:sldLayoutId id="2147483654" r:id="rId6"/>
-    <p:sldLayoutId id="2147483655" r:id="rId7"/>
-    <p:sldLayoutId id="2147483656" r:id="rId8"/>
-    <p:sldLayoutId id="2147483657" r:id="rId9"/>
-    <p:sldLayoutId id="2147483658" r:id="rId10"/>
-    <p:sldLayoutId id="2147483659" r:id="rId11"/>
+    <p:sldLayoutId id="2147483661" r:id="rId1"/>
+    <p:sldLayoutId id="2147483662" r:id="rId2"/>
+    <p:sldLayoutId id="2147483663" r:id="rId3"/>
+    <p:sldLayoutId id="2147483664" r:id="rId4"/>
+    <p:sldLayoutId id="2147483665" r:id="rId5"/>
+    <p:sldLayoutId id="2147483666" r:id="rId6"/>
+    <p:sldLayoutId id="2147483667" r:id="rId7"/>
+    <p:sldLayoutId id="2147483668" r:id="rId8"/>
+    <p:sldLayoutId id="2147483669" r:id="rId9"/>
+    <p:sldLayoutId id="2147483670" r:id="rId10"/>
+    <p:sldLayoutId id="2147483671" r:id="rId11"/>
   </p:sldLayoutIdLst>
   <p:txStyles>
     <p:titleStyle>
-      <a:lvl1pPr algn="l" defTabSz="914400" rtl="0" eaLnBrk="1" latinLnBrk="0" hangingPunct="1">
+      <a:lvl1pPr algn="l" defTabSz="1219170" rtl="0" eaLnBrk="1" latinLnBrk="0" hangingPunct="1">
         <a:lnSpc>
           <a:spcPct val="90000"/>
         </a:lnSpc>
@@ -2674,7 +2681,7 @@
           <a:spcPct val="0"/>
         </a:spcBef>
         <a:buNone/>
-        <a:defRPr sz="4400" kern="1200">
+        <a:defRPr sz="5867" kern="1200">
           <a:solidFill>
             <a:schemeClr val="tx1"/>
           </a:solidFill>
@@ -2685,16 +2692,16 @@
       </a:lvl1pPr>
     </p:titleStyle>
     <p:bodyStyle>
-      <a:lvl1pPr marL="228600" indent="-228600" algn="l" defTabSz="914400" rtl="0" eaLnBrk="1" latinLnBrk="0" hangingPunct="1">
+      <a:lvl1pPr marL="304792" indent="-304792" algn="l" defTabSz="1219170" rtl="0" eaLnBrk="1" latinLnBrk="0" hangingPunct="1">
         <a:lnSpc>
           <a:spcPct val="90000"/>
         </a:lnSpc>
         <a:spcBef>
-          <a:spcPts val="1000"/>
+          <a:spcPts val="1333"/>
         </a:spcBef>
         <a:buFont typeface="Arial" panose="020B0604020202020204" pitchFamily="34" charset="0"/>
         <a:buChar char="•"/>
-        <a:defRPr sz="2800" kern="1200">
+        <a:defRPr sz="3733" kern="1200">
           <a:solidFill>
             <a:schemeClr val="tx1"/>
           </a:solidFill>
@@ -2703,12 +2710,48 @@
           <a:cs typeface="+mn-cs"/>
         </a:defRPr>
       </a:lvl1pPr>
-      <a:lvl2pPr marL="685800" indent="-228600" algn="l" defTabSz="914400" rtl="0" eaLnBrk="1" latinLnBrk="0" hangingPunct="1">
+      <a:lvl2pPr marL="914377" indent="-304792" algn="l" defTabSz="1219170" rtl="0" eaLnBrk="1" latinLnBrk="0" hangingPunct="1">
         <a:lnSpc>
           <a:spcPct val="90000"/>
         </a:lnSpc>
         <a:spcBef>
-          <a:spcPts val="500"/>
+          <a:spcPts val="667"/>
+        </a:spcBef>
+        <a:buFont typeface="Arial" panose="020B0604020202020204" pitchFamily="34" charset="0"/>
+        <a:buChar char="•"/>
+        <a:defRPr sz="3200" kern="1200">
+          <a:solidFill>
+            <a:schemeClr val="tx1"/>
+          </a:solidFill>
+          <a:latin typeface="+mn-lt"/>
+          <a:ea typeface="+mn-ea"/>
+          <a:cs typeface="+mn-cs"/>
+        </a:defRPr>
+      </a:lvl2pPr>
+      <a:lvl3pPr marL="1523962" indent="-304792" algn="l" defTabSz="1219170" rtl="0" eaLnBrk="1" latinLnBrk="0" hangingPunct="1">
+        <a:lnSpc>
+          <a:spcPct val="90000"/>
+        </a:lnSpc>
+        <a:spcBef>
+          <a:spcPts val="667"/>
+        </a:spcBef>
+        <a:buFont typeface="Arial" panose="020B0604020202020204" pitchFamily="34" charset="0"/>
+        <a:buChar char="•"/>
+        <a:defRPr sz="2667" kern="1200">
+          <a:solidFill>
+            <a:schemeClr val="tx1"/>
+          </a:solidFill>
+          <a:latin typeface="+mn-lt"/>
+          <a:ea typeface="+mn-ea"/>
+          <a:cs typeface="+mn-cs"/>
+        </a:defRPr>
+      </a:lvl3pPr>
+      <a:lvl4pPr marL="2133547" indent="-304792" algn="l" defTabSz="1219170" rtl="0" eaLnBrk="1" latinLnBrk="0" hangingPunct="1">
+        <a:lnSpc>
+          <a:spcPct val="90000"/>
+        </a:lnSpc>
+        <a:spcBef>
+          <a:spcPts val="667"/>
         </a:spcBef>
         <a:buFont typeface="Arial" panose="020B0604020202020204" pitchFamily="34" charset="0"/>
         <a:buChar char="•"/>
@@ -2720,53 +2763,17 @@
           <a:ea typeface="+mn-ea"/>
           <a:cs typeface="+mn-cs"/>
         </a:defRPr>
-      </a:lvl2pPr>
-      <a:lvl3pPr marL="1143000" indent="-228600" algn="l" defTabSz="914400" rtl="0" eaLnBrk="1" latinLnBrk="0" hangingPunct="1">
+      </a:lvl4pPr>
+      <a:lvl5pPr marL="2743131" indent="-304792" algn="l" defTabSz="1219170" rtl="0" eaLnBrk="1" latinLnBrk="0" hangingPunct="1">
         <a:lnSpc>
           <a:spcPct val="90000"/>
         </a:lnSpc>
         <a:spcBef>
-          <a:spcPts val="500"/>
+          <a:spcPts val="667"/>
         </a:spcBef>
         <a:buFont typeface="Arial" panose="020B0604020202020204" pitchFamily="34" charset="0"/>
         <a:buChar char="•"/>
-        <a:defRPr sz="2000" kern="1200">
-          <a:solidFill>
-            <a:schemeClr val="tx1"/>
-          </a:solidFill>
-          <a:latin typeface="+mn-lt"/>
-          <a:ea typeface="+mn-ea"/>
-          <a:cs typeface="+mn-cs"/>
-        </a:defRPr>
-      </a:lvl3pPr>
-      <a:lvl4pPr marL="1600200" indent="-228600" algn="l" defTabSz="914400" rtl="0" eaLnBrk="1" latinLnBrk="0" hangingPunct="1">
-        <a:lnSpc>
-          <a:spcPct val="90000"/>
-        </a:lnSpc>
-        <a:spcBef>
-          <a:spcPts val="500"/>
-        </a:spcBef>
-        <a:buFont typeface="Arial" panose="020B0604020202020204" pitchFamily="34" charset="0"/>
-        <a:buChar char="•"/>
-        <a:defRPr sz="1800" kern="1200">
-          <a:solidFill>
-            <a:schemeClr val="tx1"/>
-          </a:solidFill>
-          <a:latin typeface="+mn-lt"/>
-          <a:ea typeface="+mn-ea"/>
-          <a:cs typeface="+mn-cs"/>
-        </a:defRPr>
-      </a:lvl4pPr>
-      <a:lvl5pPr marL="2057400" indent="-228600" algn="l" defTabSz="914400" rtl="0" eaLnBrk="1" latinLnBrk="0" hangingPunct="1">
-        <a:lnSpc>
-          <a:spcPct val="90000"/>
-        </a:lnSpc>
-        <a:spcBef>
-          <a:spcPts val="500"/>
-        </a:spcBef>
-        <a:buFont typeface="Arial" panose="020B0604020202020204" pitchFamily="34" charset="0"/>
-        <a:buChar char="•"/>
-        <a:defRPr sz="1800" kern="1200">
+        <a:defRPr sz="2400" kern="1200">
           <a:solidFill>
             <a:schemeClr val="tx1"/>
           </a:solidFill>
@@ -2775,16 +2782,16 @@
           <a:cs typeface="+mn-cs"/>
         </a:defRPr>
       </a:lvl5pPr>
-      <a:lvl6pPr marL="2514600" indent="-228600" algn="l" defTabSz="914400" rtl="0" eaLnBrk="1" latinLnBrk="0" hangingPunct="1">
+      <a:lvl6pPr marL="3352716" indent="-304792" algn="l" defTabSz="1219170" rtl="0" eaLnBrk="1" latinLnBrk="0" hangingPunct="1">
         <a:lnSpc>
           <a:spcPct val="90000"/>
         </a:lnSpc>
         <a:spcBef>
-          <a:spcPts val="500"/>
+          <a:spcPts val="667"/>
         </a:spcBef>
         <a:buFont typeface="Arial" panose="020B0604020202020204" pitchFamily="34" charset="0"/>
         <a:buChar char="•"/>
-        <a:defRPr sz="1800" kern="1200">
+        <a:defRPr sz="2400" kern="1200">
           <a:solidFill>
             <a:schemeClr val="tx1"/>
           </a:solidFill>
@@ -2793,16 +2800,16 @@
           <a:cs typeface="+mn-cs"/>
         </a:defRPr>
       </a:lvl6pPr>
-      <a:lvl7pPr marL="2971800" indent="-228600" algn="l" defTabSz="914400" rtl="0" eaLnBrk="1" latinLnBrk="0" hangingPunct="1">
+      <a:lvl7pPr marL="3962301" indent="-304792" algn="l" defTabSz="1219170" rtl="0" eaLnBrk="1" latinLnBrk="0" hangingPunct="1">
         <a:lnSpc>
           <a:spcPct val="90000"/>
         </a:lnSpc>
         <a:spcBef>
-          <a:spcPts val="500"/>
+          <a:spcPts val="667"/>
         </a:spcBef>
         <a:buFont typeface="Arial" panose="020B0604020202020204" pitchFamily="34" charset="0"/>
         <a:buChar char="•"/>
-        <a:defRPr sz="1800" kern="1200">
+        <a:defRPr sz="2400" kern="1200">
           <a:solidFill>
             <a:schemeClr val="tx1"/>
           </a:solidFill>
@@ -2811,16 +2818,16 @@
           <a:cs typeface="+mn-cs"/>
         </a:defRPr>
       </a:lvl7pPr>
-      <a:lvl8pPr marL="3429000" indent="-228600" algn="l" defTabSz="914400" rtl="0" eaLnBrk="1" latinLnBrk="0" hangingPunct="1">
+      <a:lvl8pPr marL="4571886" indent="-304792" algn="l" defTabSz="1219170" rtl="0" eaLnBrk="1" latinLnBrk="0" hangingPunct="1">
         <a:lnSpc>
           <a:spcPct val="90000"/>
         </a:lnSpc>
         <a:spcBef>
-          <a:spcPts val="500"/>
+          <a:spcPts val="667"/>
         </a:spcBef>
         <a:buFont typeface="Arial" panose="020B0604020202020204" pitchFamily="34" charset="0"/>
         <a:buChar char="•"/>
-        <a:defRPr sz="1800" kern="1200">
+        <a:defRPr sz="2400" kern="1200">
           <a:solidFill>
             <a:schemeClr val="tx1"/>
           </a:solidFill>
@@ -2829,16 +2836,16 @@
           <a:cs typeface="+mn-cs"/>
         </a:defRPr>
       </a:lvl8pPr>
-      <a:lvl9pPr marL="3886200" indent="-228600" algn="l" defTabSz="914400" rtl="0" eaLnBrk="1" latinLnBrk="0" hangingPunct="1">
+      <a:lvl9pPr marL="5181470" indent="-304792" algn="l" defTabSz="1219170" rtl="0" eaLnBrk="1" latinLnBrk="0" hangingPunct="1">
         <a:lnSpc>
           <a:spcPct val="90000"/>
         </a:lnSpc>
         <a:spcBef>
-          <a:spcPts val="500"/>
+          <a:spcPts val="667"/>
         </a:spcBef>
         <a:buFont typeface="Arial" panose="020B0604020202020204" pitchFamily="34" charset="0"/>
         <a:buChar char="•"/>
-        <a:defRPr sz="1800" kern="1200">
+        <a:defRPr sz="2400" kern="1200">
           <a:solidFill>
             <a:schemeClr val="tx1"/>
           </a:solidFill>
@@ -2852,8 +2859,8 @@
       <a:defPPr>
         <a:defRPr lang="en-US"/>
       </a:defPPr>
-      <a:lvl1pPr marL="0" algn="l" defTabSz="914400" rtl="0" eaLnBrk="1" latinLnBrk="0" hangingPunct="1">
-        <a:defRPr sz="1800" kern="1200">
+      <a:lvl1pPr marL="0" algn="l" defTabSz="1219170" rtl="0" eaLnBrk="1" latinLnBrk="0" hangingPunct="1">
+        <a:defRPr sz="2400" kern="1200">
           <a:solidFill>
             <a:schemeClr val="tx1"/>
           </a:solidFill>
@@ -2862,8 +2869,8 @@
           <a:cs typeface="+mn-cs"/>
         </a:defRPr>
       </a:lvl1pPr>
-      <a:lvl2pPr marL="457200" algn="l" defTabSz="914400" rtl="0" eaLnBrk="1" latinLnBrk="0" hangingPunct="1">
-        <a:defRPr sz="1800" kern="1200">
+      <a:lvl2pPr marL="609585" algn="l" defTabSz="1219170" rtl="0" eaLnBrk="1" latinLnBrk="0" hangingPunct="1">
+        <a:defRPr sz="2400" kern="1200">
           <a:solidFill>
             <a:schemeClr val="tx1"/>
           </a:solidFill>
@@ -2872,8 +2879,8 @@
           <a:cs typeface="+mn-cs"/>
         </a:defRPr>
       </a:lvl2pPr>
-      <a:lvl3pPr marL="914400" algn="l" defTabSz="914400" rtl="0" eaLnBrk="1" latinLnBrk="0" hangingPunct="1">
-        <a:defRPr sz="1800" kern="1200">
+      <a:lvl3pPr marL="1219170" algn="l" defTabSz="1219170" rtl="0" eaLnBrk="1" latinLnBrk="0" hangingPunct="1">
+        <a:defRPr sz="2400" kern="1200">
           <a:solidFill>
             <a:schemeClr val="tx1"/>
           </a:solidFill>
@@ -2882,8 +2889,8 @@
           <a:cs typeface="+mn-cs"/>
         </a:defRPr>
       </a:lvl3pPr>
-      <a:lvl4pPr marL="1371600" algn="l" defTabSz="914400" rtl="0" eaLnBrk="1" latinLnBrk="0" hangingPunct="1">
-        <a:defRPr sz="1800" kern="1200">
+      <a:lvl4pPr marL="1828754" algn="l" defTabSz="1219170" rtl="0" eaLnBrk="1" latinLnBrk="0" hangingPunct="1">
+        <a:defRPr sz="2400" kern="1200">
           <a:solidFill>
             <a:schemeClr val="tx1"/>
           </a:solidFill>
@@ -2892,8 +2899,8 @@
           <a:cs typeface="+mn-cs"/>
         </a:defRPr>
       </a:lvl4pPr>
-      <a:lvl5pPr marL="1828800" algn="l" defTabSz="914400" rtl="0" eaLnBrk="1" latinLnBrk="0" hangingPunct="1">
-        <a:defRPr sz="1800" kern="1200">
+      <a:lvl5pPr marL="2438339" algn="l" defTabSz="1219170" rtl="0" eaLnBrk="1" latinLnBrk="0" hangingPunct="1">
+        <a:defRPr sz="2400" kern="1200">
           <a:solidFill>
             <a:schemeClr val="tx1"/>
           </a:solidFill>
@@ -2902,8 +2909,8 @@
           <a:cs typeface="+mn-cs"/>
         </a:defRPr>
       </a:lvl5pPr>
-      <a:lvl6pPr marL="2286000" algn="l" defTabSz="914400" rtl="0" eaLnBrk="1" latinLnBrk="0" hangingPunct="1">
-        <a:defRPr sz="1800" kern="1200">
+      <a:lvl6pPr marL="3047924" algn="l" defTabSz="1219170" rtl="0" eaLnBrk="1" latinLnBrk="0" hangingPunct="1">
+        <a:defRPr sz="2400" kern="1200">
           <a:solidFill>
             <a:schemeClr val="tx1"/>
           </a:solidFill>
@@ -2912,8 +2919,8 @@
           <a:cs typeface="+mn-cs"/>
         </a:defRPr>
       </a:lvl6pPr>
-      <a:lvl7pPr marL="2743200" algn="l" defTabSz="914400" rtl="0" eaLnBrk="1" latinLnBrk="0" hangingPunct="1">
-        <a:defRPr sz="1800" kern="1200">
+      <a:lvl7pPr marL="3657509" algn="l" defTabSz="1219170" rtl="0" eaLnBrk="1" latinLnBrk="0" hangingPunct="1">
+        <a:defRPr sz="2400" kern="1200">
           <a:solidFill>
             <a:schemeClr val="tx1"/>
           </a:solidFill>
@@ -2922,8 +2929,8 @@
           <a:cs typeface="+mn-cs"/>
         </a:defRPr>
       </a:lvl7pPr>
-      <a:lvl8pPr marL="3200400" algn="l" defTabSz="914400" rtl="0" eaLnBrk="1" latinLnBrk="0" hangingPunct="1">
-        <a:defRPr sz="1800" kern="1200">
+      <a:lvl8pPr marL="4267093" algn="l" defTabSz="1219170" rtl="0" eaLnBrk="1" latinLnBrk="0" hangingPunct="1">
+        <a:defRPr sz="2400" kern="1200">
           <a:solidFill>
             <a:schemeClr val="tx1"/>
           </a:solidFill>
@@ -2932,8 +2939,8 @@
           <a:cs typeface="+mn-cs"/>
         </a:defRPr>
       </a:lvl8pPr>
-      <a:lvl9pPr marL="3657600" algn="l" defTabSz="914400" rtl="0" eaLnBrk="1" latinLnBrk="0" hangingPunct="1">
-        <a:defRPr sz="1800" kern="1200">
+      <a:lvl9pPr marL="4876678" algn="l" defTabSz="1219170" rtl="0" eaLnBrk="1" latinLnBrk="0" hangingPunct="1">
+        <a:defRPr sz="2400" kern="1200">
           <a:solidFill>
             <a:schemeClr val="tx1"/>
           </a:solidFill>
@@ -2964,9 +2971,38 @@
           <a:chExt cx="0" cy="0"/>
         </a:xfrm>
       </p:grpSpPr>
+      <p:sp>
+        <p:nvSpPr>
+          <p:cNvPr id="3" name="TextBox 2"/>
+          <p:cNvSpPr txBox="1"/>
+          <p:nvPr/>
+        </p:nvSpPr>
+        <p:spPr>
+          <a:xfrm rot="16200000">
+            <a:off x="1786755" y="8543497"/>
+            <a:ext cx="201483" cy="369332"/>
+          </a:xfrm>
+          <a:prstGeom prst="rect">
+            <a:avLst/>
+          </a:prstGeom>
+          <a:noFill/>
+        </p:spPr>
+        <p:txBody>
+          <a:bodyPr wrap="square" rtlCol="0">
+            <a:spAutoFit/>
+          </a:bodyPr>
+          <a:lstStyle/>
+          <a:p>
+            <a:r>
+              <a:rPr lang="en-US" dirty="0"/>
+              <a:t>A</a:t>
+            </a:r>
+          </a:p>
+        </p:txBody>
+      </p:sp>
       <p:pic>
         <p:nvPicPr>
-          <p:cNvPr id="4" name="Picture 3"/>
+          <p:cNvPr id="9" name="Picture 8"/>
           <p:cNvPicPr>
             <a:picLocks noChangeAspect="1"/>
           </p:cNvPicPr>
@@ -2980,8 +3016,8 @@
         </p:blipFill>
         <p:spPr>
           <a:xfrm>
-            <a:off x="0" y="0"/>
-            <a:ext cx="5162808" cy="3878443"/>
+            <a:off x="0" y="3143250"/>
+            <a:ext cx="9144000" cy="13677900"/>
           </a:xfrm>
           <a:prstGeom prst="rect">
             <a:avLst/>
@@ -2990,7 +3026,7 @@
       </p:pic>
       <p:pic>
         <p:nvPicPr>
-          <p:cNvPr id="5" name="Picture 4"/>
+          <p:cNvPr id="10" name="Picture 9"/>
           <p:cNvPicPr>
             <a:picLocks noChangeAspect="1"/>
           </p:cNvPicPr>
@@ -3004,8 +3040,8 @@
         </p:blipFill>
         <p:spPr>
           <a:xfrm>
-            <a:off x="5803900" y="0"/>
-            <a:ext cx="5108702" cy="3878443"/>
+            <a:off x="852488" y="10596563"/>
+            <a:ext cx="1933575" cy="1285875"/>
           </a:xfrm>
           <a:prstGeom prst="rect">
             <a:avLst/>
@@ -3014,46 +3050,136 @@
       </p:pic>
       <p:pic>
         <p:nvPicPr>
-          <p:cNvPr id="6" name="Picture 5"/>
+          <p:cNvPr id="11" name="Picture 10"/>
           <p:cNvPicPr>
             <a:picLocks noChangeAspect="1"/>
           </p:cNvPicPr>
           <p:nvPr/>
         </p:nvPicPr>
         <p:blipFill>
-          <a:blip r:embed="rId4"/>
+          <a:blip r:embed="rId3"/>
           <a:stretch>
             <a:fillRect/>
           </a:stretch>
         </p:blipFill>
         <p:spPr>
           <a:xfrm>
-            <a:off x="562190" y="314325"/>
-            <a:ext cx="1990725" cy="1200150"/>
+            <a:off x="852488" y="-2166938"/>
+            <a:ext cx="1933575" cy="1285875"/>
           </a:xfrm>
           <a:prstGeom prst="rect">
             <a:avLst/>
           </a:prstGeom>
         </p:spPr>
       </p:pic>
+      <p:sp>
+        <p:nvSpPr>
+          <p:cNvPr id="12" name="TextBox 11"/>
+          <p:cNvSpPr txBox="1"/>
+          <p:nvPr/>
+        </p:nvSpPr>
+        <p:spPr>
+          <a:xfrm>
+            <a:off x="7905751" y="-2674143"/>
+            <a:ext cx="466725" cy="338554"/>
+          </a:xfrm>
+          <a:prstGeom prst="rect">
+            <a:avLst/>
+          </a:prstGeom>
+          <a:noFill/>
+        </p:spPr>
+        <p:txBody>
+          <a:bodyPr wrap="square" rtlCol="0">
+            <a:spAutoFit/>
+          </a:bodyPr>
+          <a:lstStyle/>
+          <a:p>
+            <a:r>
+              <a:rPr lang="en-US" sz="1600" dirty="0"/>
+              <a:t>A</a:t>
+            </a:r>
+            <a:endParaRPr lang="en-US" dirty="0"/>
+          </a:p>
+        </p:txBody>
+      </p:sp>
+      <p:sp>
+        <p:nvSpPr>
+          <p:cNvPr id="13" name="TextBox 12"/>
+          <p:cNvSpPr txBox="1"/>
+          <p:nvPr/>
+        </p:nvSpPr>
+        <p:spPr>
+          <a:xfrm>
+            <a:off x="8045451" y="9911953"/>
+            <a:ext cx="466725" cy="338554"/>
+          </a:xfrm>
+          <a:prstGeom prst="rect">
+            <a:avLst/>
+          </a:prstGeom>
+          <a:noFill/>
+        </p:spPr>
+        <p:txBody>
+          <a:bodyPr wrap="square" rtlCol="0">
+            <a:spAutoFit/>
+          </a:bodyPr>
+          <a:lstStyle/>
+          <a:p>
+            <a:r>
+              <a:rPr lang="en-US" sz="1600" dirty="0"/>
+              <a:t>A</a:t>
+            </a:r>
+            <a:endParaRPr lang="en-US" dirty="0"/>
+          </a:p>
+        </p:txBody>
+      </p:sp>
+      <p:sp>
+        <p:nvSpPr>
+          <p:cNvPr id="15" name="TextBox 14"/>
+          <p:cNvSpPr txBox="1"/>
+          <p:nvPr/>
+        </p:nvSpPr>
+        <p:spPr>
+          <a:xfrm>
+            <a:off x="7905750" y="3002756"/>
+            <a:ext cx="466725" cy="338554"/>
+          </a:xfrm>
+          <a:prstGeom prst="rect">
+            <a:avLst/>
+          </a:prstGeom>
+          <a:noFill/>
+        </p:spPr>
+        <p:txBody>
+          <a:bodyPr wrap="square" rtlCol="0">
+            <a:spAutoFit/>
+          </a:bodyPr>
+          <a:lstStyle/>
+          <a:p>
+            <a:r>
+              <a:rPr lang="en-US" sz="1600" dirty="0"/>
+              <a:t>A</a:t>
+            </a:r>
+            <a:endParaRPr lang="en-US" dirty="0"/>
+          </a:p>
+        </p:txBody>
+      </p:sp>
       <p:pic>
         <p:nvPicPr>
-          <p:cNvPr id="7" name="Picture 6"/>
+          <p:cNvPr id="16" name="Picture 15"/>
           <p:cNvPicPr>
             <a:picLocks noChangeAspect="1"/>
           </p:cNvPicPr>
           <p:nvPr/>
         </p:nvPicPr>
         <p:blipFill>
-          <a:blip r:embed="rId4"/>
+          <a:blip r:embed="rId3"/>
           <a:stretch>
             <a:fillRect/>
           </a:stretch>
         </p:blipFill>
         <p:spPr>
           <a:xfrm>
-            <a:off x="6385933" y="314325"/>
-            <a:ext cx="1990725" cy="1200150"/>
+            <a:off x="920708" y="3614889"/>
+            <a:ext cx="1933575" cy="1285875"/>
           </a:xfrm>
           <a:prstGeom prst="rect">
             <a:avLst/>
@@ -3076,7 +3202,7 @@
 <file path=ppt/theme/theme1.xml><?xml version="1.0" encoding="utf-8"?>
 <a:theme xmlns:a="http://schemas.openxmlformats.org/drawingml/2006/main" name="Office Theme">
   <a:themeElements>
-    <a:clrScheme name="Office">
+    <a:clrScheme name="Office Theme">
       <a:dk1>
         <a:sysClr val="windowText" lastClr="000000"/>
       </a:dk1>
@@ -3114,7 +3240,7 @@
         <a:srgbClr val="954F72"/>
       </a:folHlink>
     </a:clrScheme>
-    <a:fontScheme name="Office">
+    <a:fontScheme name="Office Theme">
       <a:majorFont>
         <a:latin typeface="Calibri Light" panose="020F0302020204030204"/>
         <a:ea typeface=""/>
@@ -3186,7 +3312,7 @@
         <a:font script="Geor" typeface="Sylfaen"/>
       </a:minorFont>
     </a:fontScheme>
-    <a:fmtScheme name="Office">
+    <a:fmtScheme name="Office Theme">
       <a:fillStyleLst>
         <a:solidFill>
           <a:schemeClr val="phClr"/>

--- a/images/tmp.pptx
+++ b/images/tmp.pptx
@@ -243,7 +243,7 @@
           <a:p>
             <a:fld id="{FA8EBA90-CD99-4A16-B044-545A23C4C08C}" type="datetimeFigureOut">
               <a:rPr lang="en-US" smtClean="0"/>
-              <a:t>8/17/2020</a:t>
+              <a:t>8/19/2020</a:t>
             </a:fld>
             <a:endParaRPr lang="en-US"/>
           </a:p>
@@ -413,7 +413,7 @@
           <a:p>
             <a:fld id="{FA8EBA90-CD99-4A16-B044-545A23C4C08C}" type="datetimeFigureOut">
               <a:rPr lang="en-US" smtClean="0"/>
-              <a:t>8/17/2020</a:t>
+              <a:t>8/19/2020</a:t>
             </a:fld>
             <a:endParaRPr lang="en-US"/>
           </a:p>
@@ -593,7 +593,7 @@
           <a:p>
             <a:fld id="{FA8EBA90-CD99-4A16-B044-545A23C4C08C}" type="datetimeFigureOut">
               <a:rPr lang="en-US" smtClean="0"/>
-              <a:t>8/17/2020</a:t>
+              <a:t>8/19/2020</a:t>
             </a:fld>
             <a:endParaRPr lang="en-US"/>
           </a:p>
@@ -763,7 +763,7 @@
           <a:p>
             <a:fld id="{FA8EBA90-CD99-4A16-B044-545A23C4C08C}" type="datetimeFigureOut">
               <a:rPr lang="en-US" smtClean="0"/>
-              <a:t>8/17/2020</a:t>
+              <a:t>8/19/2020</a:t>
             </a:fld>
             <a:endParaRPr lang="en-US"/>
           </a:p>
@@ -1007,7 +1007,7 @@
           <a:p>
             <a:fld id="{FA8EBA90-CD99-4A16-B044-545A23C4C08C}" type="datetimeFigureOut">
               <a:rPr lang="en-US" smtClean="0"/>
-              <a:t>8/17/2020</a:t>
+              <a:t>8/19/2020</a:t>
             </a:fld>
             <a:endParaRPr lang="en-US"/>
           </a:p>
@@ -1239,7 +1239,7 @@
           <a:p>
             <a:fld id="{FA8EBA90-CD99-4A16-B044-545A23C4C08C}" type="datetimeFigureOut">
               <a:rPr lang="en-US" smtClean="0"/>
-              <a:t>8/17/2020</a:t>
+              <a:t>8/19/2020</a:t>
             </a:fld>
             <a:endParaRPr lang="en-US"/>
           </a:p>
@@ -1606,7 +1606,7 @@
           <a:p>
             <a:fld id="{FA8EBA90-CD99-4A16-B044-545A23C4C08C}" type="datetimeFigureOut">
               <a:rPr lang="en-US" smtClean="0"/>
-              <a:t>8/17/2020</a:t>
+              <a:t>8/19/2020</a:t>
             </a:fld>
             <a:endParaRPr lang="en-US"/>
           </a:p>
@@ -1724,7 +1724,7 @@
           <a:p>
             <a:fld id="{FA8EBA90-CD99-4A16-B044-545A23C4C08C}" type="datetimeFigureOut">
               <a:rPr lang="en-US" smtClean="0"/>
-              <a:t>8/17/2020</a:t>
+              <a:t>8/19/2020</a:t>
             </a:fld>
             <a:endParaRPr lang="en-US"/>
           </a:p>
@@ -1819,7 +1819,7 @@
           <a:p>
             <a:fld id="{FA8EBA90-CD99-4A16-B044-545A23C4C08C}" type="datetimeFigureOut">
               <a:rPr lang="en-US" smtClean="0"/>
-              <a:t>8/17/2020</a:t>
+              <a:t>8/19/2020</a:t>
             </a:fld>
             <a:endParaRPr lang="en-US"/>
           </a:p>
@@ -2096,7 +2096,7 @@
           <a:p>
             <a:fld id="{FA8EBA90-CD99-4A16-B044-545A23C4C08C}" type="datetimeFigureOut">
               <a:rPr lang="en-US" smtClean="0"/>
-              <a:t>8/17/2020</a:t>
+              <a:t>8/19/2020</a:t>
             </a:fld>
             <a:endParaRPr lang="en-US"/>
           </a:p>
@@ -2353,7 +2353,7 @@
           <a:p>
             <a:fld id="{FA8EBA90-CD99-4A16-B044-545A23C4C08C}" type="datetimeFigureOut">
               <a:rPr lang="en-US" smtClean="0"/>
-              <a:t>8/17/2020</a:t>
+              <a:t>8/19/2020</a:t>
             </a:fld>
             <a:endParaRPr lang="en-US"/>
           </a:p>
@@ -2566,7 +2566,7 @@
           <a:p>
             <a:fld id="{FA8EBA90-CD99-4A16-B044-545A23C4C08C}" type="datetimeFigureOut">
               <a:rPr lang="en-US" smtClean="0"/>
-              <a:t>8/17/2020</a:t>
+              <a:t>8/19/2020</a:t>
             </a:fld>
             <a:endParaRPr lang="en-US"/>
           </a:p>
@@ -2971,83 +2971,6 @@
           <a:chExt cx="0" cy="0"/>
         </a:xfrm>
       </p:grpSpPr>
-      <p:sp>
-        <p:nvSpPr>
-          <p:cNvPr id="3" name="TextBox 2"/>
-          <p:cNvSpPr txBox="1"/>
-          <p:nvPr/>
-        </p:nvSpPr>
-        <p:spPr>
-          <a:xfrm rot="16200000">
-            <a:off x="1786755" y="8543497"/>
-            <a:ext cx="201483" cy="369332"/>
-          </a:xfrm>
-          <a:prstGeom prst="rect">
-            <a:avLst/>
-          </a:prstGeom>
-          <a:noFill/>
-        </p:spPr>
-        <p:txBody>
-          <a:bodyPr wrap="square" rtlCol="0">
-            <a:spAutoFit/>
-          </a:bodyPr>
-          <a:lstStyle/>
-          <a:p>
-            <a:r>
-              <a:rPr lang="en-US" dirty="0"/>
-              <a:t>A</a:t>
-            </a:r>
-          </a:p>
-        </p:txBody>
-      </p:sp>
-      <p:pic>
-        <p:nvPicPr>
-          <p:cNvPr id="9" name="Picture 8"/>
-          <p:cNvPicPr>
-            <a:picLocks noChangeAspect="1"/>
-          </p:cNvPicPr>
-          <p:nvPr/>
-        </p:nvPicPr>
-        <p:blipFill>
-          <a:blip r:embed="rId2"/>
-          <a:stretch>
-            <a:fillRect/>
-          </a:stretch>
-        </p:blipFill>
-        <p:spPr>
-          <a:xfrm>
-            <a:off x="0" y="3143250"/>
-            <a:ext cx="9144000" cy="13677900"/>
-          </a:xfrm>
-          <a:prstGeom prst="rect">
-            <a:avLst/>
-          </a:prstGeom>
-        </p:spPr>
-      </p:pic>
-      <p:pic>
-        <p:nvPicPr>
-          <p:cNvPr id="10" name="Picture 9"/>
-          <p:cNvPicPr>
-            <a:picLocks noChangeAspect="1"/>
-          </p:cNvPicPr>
-          <p:nvPr/>
-        </p:nvPicPr>
-        <p:blipFill>
-          <a:blip r:embed="rId3"/>
-          <a:stretch>
-            <a:fillRect/>
-          </a:stretch>
-        </p:blipFill>
-        <p:spPr>
-          <a:xfrm>
-            <a:off x="852488" y="10596563"/>
-            <a:ext cx="1933575" cy="1285875"/>
-          </a:xfrm>
-          <a:prstGeom prst="rect">
-            <a:avLst/>
-          </a:prstGeom>
-        </p:spPr>
-      </p:pic>
       <p:pic>
         <p:nvPicPr>
           <p:cNvPr id="11" name="Picture 10"/>
@@ -3057,7 +2980,7 @@
           <p:nvPr/>
         </p:nvPicPr>
         <p:blipFill>
-          <a:blip r:embed="rId3"/>
+          <a:blip r:embed="rId2"/>
           <a:stretch>
             <a:fillRect/>
           </a:stretch>
@@ -3132,39 +3055,9 @@
           </a:p>
         </p:txBody>
       </p:sp>
-      <p:sp>
-        <p:nvSpPr>
-          <p:cNvPr id="15" name="TextBox 14"/>
-          <p:cNvSpPr txBox="1"/>
-          <p:nvPr/>
-        </p:nvSpPr>
-        <p:spPr>
-          <a:xfrm>
-            <a:off x="7905750" y="3002756"/>
-            <a:ext cx="466725" cy="338554"/>
-          </a:xfrm>
-          <a:prstGeom prst="rect">
-            <a:avLst/>
-          </a:prstGeom>
-          <a:noFill/>
-        </p:spPr>
-        <p:txBody>
-          <a:bodyPr wrap="square" rtlCol="0">
-            <a:spAutoFit/>
-          </a:bodyPr>
-          <a:lstStyle/>
-          <a:p>
-            <a:r>
-              <a:rPr lang="en-US" sz="1600" dirty="0"/>
-              <a:t>A</a:t>
-            </a:r>
-            <a:endParaRPr lang="en-US" dirty="0"/>
-          </a:p>
-        </p:txBody>
-      </p:sp>
       <p:pic>
         <p:nvPicPr>
-          <p:cNvPr id="16" name="Picture 15"/>
+          <p:cNvPr id="4" name="Picture 3"/>
           <p:cNvPicPr>
             <a:picLocks noChangeAspect="1"/>
           </p:cNvPicPr>
@@ -3178,8 +3071,86 @@
         </p:blipFill>
         <p:spPr>
           <a:xfrm>
-            <a:off x="920708" y="3614889"/>
-            <a:ext cx="1933575" cy="1285875"/>
+            <a:off x="2122487" y="2008187"/>
+            <a:ext cx="9648825" cy="9420225"/>
+          </a:xfrm>
+          <a:prstGeom prst="rect">
+            <a:avLst/>
+          </a:prstGeom>
+        </p:spPr>
+      </p:pic>
+      <p:sp>
+        <p:nvSpPr>
+          <p:cNvPr id="15" name="TextBox 14"/>
+          <p:cNvSpPr txBox="1"/>
+          <p:nvPr/>
+        </p:nvSpPr>
+        <p:spPr>
+          <a:xfrm rot="16200000">
+            <a:off x="1889125" y="9316471"/>
+            <a:ext cx="466725" cy="338554"/>
+          </a:xfrm>
+          <a:prstGeom prst="rect">
+            <a:avLst/>
+          </a:prstGeom>
+          <a:noFill/>
+        </p:spPr>
+        <p:txBody>
+          <a:bodyPr wrap="square" rtlCol="0">
+            <a:spAutoFit/>
+          </a:bodyPr>
+          <a:lstStyle/>
+          <a:p>
+            <a:r>
+              <a:rPr lang="en-US" sz="1600" dirty="0"/>
+              <a:t>A</a:t>
+            </a:r>
+            <a:endParaRPr lang="en-US" dirty="0"/>
+          </a:p>
+        </p:txBody>
+      </p:sp>
+      <p:pic>
+        <p:nvPicPr>
+          <p:cNvPr id="5" name="Picture 4"/>
+          <p:cNvPicPr>
+            <a:picLocks noChangeAspect="1"/>
+          </p:cNvPicPr>
+          <p:nvPr/>
+        </p:nvPicPr>
+        <p:blipFill>
+          <a:blip r:embed="rId4"/>
+          <a:stretch>
+            <a:fillRect/>
+          </a:stretch>
+        </p:blipFill>
+        <p:spPr>
+          <a:xfrm>
+            <a:off x="3248025" y="2420938"/>
+            <a:ext cx="549275" cy="597228"/>
+          </a:xfrm>
+          <a:prstGeom prst="rect">
+            <a:avLst/>
+          </a:prstGeom>
+        </p:spPr>
+      </p:pic>
+      <p:pic>
+        <p:nvPicPr>
+          <p:cNvPr id="6" name="Picture 5"/>
+          <p:cNvPicPr>
+            <a:picLocks noChangeAspect="1"/>
+          </p:cNvPicPr>
+          <p:nvPr/>
+        </p:nvPicPr>
+        <p:blipFill>
+          <a:blip r:embed="rId5"/>
+          <a:stretch>
+            <a:fillRect/>
+          </a:stretch>
+        </p:blipFill>
+        <p:spPr>
+          <a:xfrm flipH="1">
+            <a:off x="3320402" y="8648699"/>
+            <a:ext cx="798907" cy="603685"/>
           </a:xfrm>
           <a:prstGeom prst="rect">
             <a:avLst/>
